--- a/final-presentations.pptx
+++ b/final-presentations.pptx
@@ -4,18 +4,14 @@
   <p:sldMasterIdLst>
     <p:sldMasterId id="2147483648" r:id="rId1"/>
   </p:sldMasterIdLst>
+  <p:notesMasterIdLst>
+    <p:notesMasterId r:id="rId6"/>
+  </p:notesMasterIdLst>
   <p:sldIdLst>
-    <p:sldId id="256" r:id="rId2"/>
+    <p:sldId id="269" r:id="rId2"/>
     <p:sldId id="257" r:id="rId3"/>
     <p:sldId id="267" r:id="rId4"/>
-    <p:sldId id="266" r:id="rId5"/>
-    <p:sldId id="259" r:id="rId6"/>
-    <p:sldId id="260" r:id="rId7"/>
-    <p:sldId id="261" r:id="rId8"/>
-    <p:sldId id="262" r:id="rId9"/>
-    <p:sldId id="265" r:id="rId10"/>
-    <p:sldId id="263" r:id="rId11"/>
-    <p:sldId id="264" r:id="rId12"/>
+    <p:sldId id="263" r:id="rId5"/>
   </p:sldIdLst>
   <p:sldSz cx="12192000" cy="6858000"/>
   <p:notesSz cx="6858000" cy="9144000"/>
@@ -120,6 +116,462 @@
     </p:ext>
   </p:extLst>
 </p:presentation>
+</file>
+
+<file path=ppt/notesMasters/notesMaster1.xml><?xml version="1.0" encoding="utf-8"?>
+<p:notesMaster xmlns:a="http://schemas.openxmlformats.org/drawingml/2006/main" xmlns:r="http://schemas.openxmlformats.org/officeDocument/2006/relationships" xmlns:p="http://schemas.openxmlformats.org/presentationml/2006/main">
+  <p:cSld>
+    <p:bg>
+      <p:bgRef idx="1001">
+        <a:schemeClr val="bg1"/>
+      </p:bgRef>
+    </p:bg>
+    <p:spTree>
+      <p:nvGrpSpPr>
+        <p:cNvPr id="1" name=""/>
+        <p:cNvGrpSpPr/>
+        <p:nvPr/>
+      </p:nvGrpSpPr>
+      <p:grpSpPr>
+        <a:xfrm>
+          <a:off x="0" y="0"/>
+          <a:ext cx="0" cy="0"/>
+          <a:chOff x="0" y="0"/>
+          <a:chExt cx="0" cy="0"/>
+        </a:xfrm>
+      </p:grpSpPr>
+      <p:sp>
+        <p:nvSpPr>
+          <p:cNvPr id="2" name="Header Placeholder 1"/>
+          <p:cNvSpPr>
+            <a:spLocks noGrp="1"/>
+          </p:cNvSpPr>
+          <p:nvPr>
+            <p:ph type="hdr" sz="quarter"/>
+          </p:nvPr>
+        </p:nvSpPr>
+        <p:spPr>
+          <a:xfrm>
+            <a:off x="0" y="0"/>
+            <a:ext cx="2971800" cy="458788"/>
+          </a:xfrm>
+          <a:prstGeom prst="rect">
+            <a:avLst/>
+          </a:prstGeom>
+        </p:spPr>
+        <p:txBody>
+          <a:bodyPr vert="horz" lIns="91440" tIns="45720" rIns="91440" bIns="45720" rtlCol="0"/>
+          <a:lstStyle>
+            <a:lvl1pPr algn="l">
+              <a:defRPr sz="1200"/>
+            </a:lvl1pPr>
+          </a:lstStyle>
+          <a:p>
+            <a:endParaRPr lang="en-US"/>
+          </a:p>
+        </p:txBody>
+      </p:sp>
+      <p:sp>
+        <p:nvSpPr>
+          <p:cNvPr id="3" name="Date Placeholder 2"/>
+          <p:cNvSpPr>
+            <a:spLocks noGrp="1"/>
+          </p:cNvSpPr>
+          <p:nvPr>
+            <p:ph type="dt" idx="1"/>
+          </p:nvPr>
+        </p:nvSpPr>
+        <p:spPr>
+          <a:xfrm>
+            <a:off x="3884613" y="0"/>
+            <a:ext cx="2971800" cy="458788"/>
+          </a:xfrm>
+          <a:prstGeom prst="rect">
+            <a:avLst/>
+          </a:prstGeom>
+        </p:spPr>
+        <p:txBody>
+          <a:bodyPr vert="horz" lIns="91440" tIns="45720" rIns="91440" bIns="45720" rtlCol="0"/>
+          <a:lstStyle>
+            <a:lvl1pPr algn="r">
+              <a:defRPr sz="1200"/>
+            </a:lvl1pPr>
+          </a:lstStyle>
+          <a:p>
+            <a:fld id="{4A12D697-9C5E-A04A-8575-2E8D30EB4E08}" type="datetimeFigureOut">
+              <a:rPr lang="en-US" smtClean="0"/>
+              <a:t>4/23/17</a:t>
+            </a:fld>
+            <a:endParaRPr lang="en-US"/>
+          </a:p>
+        </p:txBody>
+      </p:sp>
+      <p:sp>
+        <p:nvSpPr>
+          <p:cNvPr id="4" name="Slide Image Placeholder 3"/>
+          <p:cNvSpPr>
+            <a:spLocks noGrp="1" noRot="1" noChangeAspect="1"/>
+          </p:cNvSpPr>
+          <p:nvPr>
+            <p:ph type="sldImg" idx="2"/>
+          </p:nvPr>
+        </p:nvSpPr>
+        <p:spPr>
+          <a:xfrm>
+            <a:off x="685800" y="1143000"/>
+            <a:ext cx="5486400" cy="3086100"/>
+          </a:xfrm>
+          <a:prstGeom prst="rect">
+            <a:avLst/>
+          </a:prstGeom>
+          <a:noFill/>
+          <a:ln w="12700">
+            <a:solidFill>
+              <a:prstClr val="black"/>
+            </a:solidFill>
+          </a:ln>
+        </p:spPr>
+        <p:txBody>
+          <a:bodyPr vert="horz" lIns="91440" tIns="45720" rIns="91440" bIns="45720" rtlCol="0" anchor="ctr"/>
+          <a:lstStyle/>
+          <a:p>
+            <a:endParaRPr lang="en-US"/>
+          </a:p>
+        </p:txBody>
+      </p:sp>
+      <p:sp>
+        <p:nvSpPr>
+          <p:cNvPr id="5" name="Notes Placeholder 4"/>
+          <p:cNvSpPr>
+            <a:spLocks noGrp="1"/>
+          </p:cNvSpPr>
+          <p:nvPr>
+            <p:ph type="body" sz="quarter" idx="3"/>
+          </p:nvPr>
+        </p:nvSpPr>
+        <p:spPr>
+          <a:xfrm>
+            <a:off x="685800" y="4400550"/>
+            <a:ext cx="5486400" cy="3600450"/>
+          </a:xfrm>
+          <a:prstGeom prst="rect">
+            <a:avLst/>
+          </a:prstGeom>
+        </p:spPr>
+        <p:txBody>
+          <a:bodyPr vert="horz" lIns="91440" tIns="45720" rIns="91440" bIns="45720" rtlCol="0"/>
+          <a:lstStyle/>
+          <a:p>
+            <a:pPr lvl="0"/>
+            <a:r>
+              <a:rPr lang="en-US" smtClean="0"/>
+              <a:t>Click to edit Master text styles</a:t>
+            </a:r>
+          </a:p>
+          <a:p>
+            <a:pPr lvl="1"/>
+            <a:r>
+              <a:rPr lang="en-US" smtClean="0"/>
+              <a:t>Second level</a:t>
+            </a:r>
+          </a:p>
+          <a:p>
+            <a:pPr lvl="2"/>
+            <a:r>
+              <a:rPr lang="en-US" smtClean="0"/>
+              <a:t>Third level</a:t>
+            </a:r>
+          </a:p>
+          <a:p>
+            <a:pPr lvl="3"/>
+            <a:r>
+              <a:rPr lang="en-US" smtClean="0"/>
+              <a:t>Fourth level</a:t>
+            </a:r>
+          </a:p>
+          <a:p>
+            <a:pPr lvl="4"/>
+            <a:r>
+              <a:rPr lang="en-US" smtClean="0"/>
+              <a:t>Fifth level</a:t>
+            </a:r>
+            <a:endParaRPr lang="en-US"/>
+          </a:p>
+        </p:txBody>
+      </p:sp>
+      <p:sp>
+        <p:nvSpPr>
+          <p:cNvPr id="6" name="Footer Placeholder 5"/>
+          <p:cNvSpPr>
+            <a:spLocks noGrp="1"/>
+          </p:cNvSpPr>
+          <p:nvPr>
+            <p:ph type="ftr" sz="quarter" idx="4"/>
+          </p:nvPr>
+        </p:nvSpPr>
+        <p:spPr>
+          <a:xfrm>
+            <a:off x="0" y="8685213"/>
+            <a:ext cx="2971800" cy="458787"/>
+          </a:xfrm>
+          <a:prstGeom prst="rect">
+            <a:avLst/>
+          </a:prstGeom>
+        </p:spPr>
+        <p:txBody>
+          <a:bodyPr vert="horz" lIns="91440" tIns="45720" rIns="91440" bIns="45720" rtlCol="0" anchor="b"/>
+          <a:lstStyle>
+            <a:lvl1pPr algn="l">
+              <a:defRPr sz="1200"/>
+            </a:lvl1pPr>
+          </a:lstStyle>
+          <a:p>
+            <a:endParaRPr lang="en-US"/>
+          </a:p>
+        </p:txBody>
+      </p:sp>
+      <p:sp>
+        <p:nvSpPr>
+          <p:cNvPr id="7" name="Slide Number Placeholder 6"/>
+          <p:cNvSpPr>
+            <a:spLocks noGrp="1"/>
+          </p:cNvSpPr>
+          <p:nvPr>
+            <p:ph type="sldNum" sz="quarter" idx="5"/>
+          </p:nvPr>
+        </p:nvSpPr>
+        <p:spPr>
+          <a:xfrm>
+            <a:off x="3884613" y="8685213"/>
+            <a:ext cx="2971800" cy="458787"/>
+          </a:xfrm>
+          <a:prstGeom prst="rect">
+            <a:avLst/>
+          </a:prstGeom>
+        </p:spPr>
+        <p:txBody>
+          <a:bodyPr vert="horz" lIns="91440" tIns="45720" rIns="91440" bIns="45720" rtlCol="0" anchor="b"/>
+          <a:lstStyle>
+            <a:lvl1pPr algn="r">
+              <a:defRPr sz="1200"/>
+            </a:lvl1pPr>
+          </a:lstStyle>
+          <a:p>
+            <a:fld id="{07CC3758-19C0-C441-8923-D4B0CA1B932B}" type="slidenum">
+              <a:rPr lang="en-US" smtClean="0"/>
+              <a:t>‹#›</a:t>
+            </a:fld>
+            <a:endParaRPr lang="en-US"/>
+          </a:p>
+        </p:txBody>
+      </p:sp>
+    </p:spTree>
+    <p:extLst>
+      <p:ext uri="{BB962C8B-B14F-4D97-AF65-F5344CB8AC3E}">
+        <p14:creationId xmlns:p14="http://schemas.microsoft.com/office/powerpoint/2010/main" val="515216335"/>
+      </p:ext>
+    </p:extLst>
+  </p:cSld>
+  <p:clrMap bg1="lt1" tx1="dk1" bg2="lt2" tx2="dk2" accent1="accent1" accent2="accent2" accent3="accent3" accent4="accent4" accent5="accent5" accent6="accent6" hlink="hlink" folHlink="folHlink"/>
+  <p:notesStyle>
+    <a:lvl1pPr marL="0" algn="l" defTabSz="914400" rtl="0" eaLnBrk="1" latinLnBrk="0" hangingPunct="1">
+      <a:defRPr sz="1200" kern="1200">
+        <a:solidFill>
+          <a:schemeClr val="tx1"/>
+        </a:solidFill>
+        <a:latin typeface="+mn-lt"/>
+        <a:ea typeface="+mn-ea"/>
+        <a:cs typeface="+mn-cs"/>
+      </a:defRPr>
+    </a:lvl1pPr>
+    <a:lvl2pPr marL="457200" algn="l" defTabSz="914400" rtl="0" eaLnBrk="1" latinLnBrk="0" hangingPunct="1">
+      <a:defRPr sz="1200" kern="1200">
+        <a:solidFill>
+          <a:schemeClr val="tx1"/>
+        </a:solidFill>
+        <a:latin typeface="+mn-lt"/>
+        <a:ea typeface="+mn-ea"/>
+        <a:cs typeface="+mn-cs"/>
+      </a:defRPr>
+    </a:lvl2pPr>
+    <a:lvl3pPr marL="914400" algn="l" defTabSz="914400" rtl="0" eaLnBrk="1" latinLnBrk="0" hangingPunct="1">
+      <a:defRPr sz="1200" kern="1200">
+        <a:solidFill>
+          <a:schemeClr val="tx1"/>
+        </a:solidFill>
+        <a:latin typeface="+mn-lt"/>
+        <a:ea typeface="+mn-ea"/>
+        <a:cs typeface="+mn-cs"/>
+      </a:defRPr>
+    </a:lvl3pPr>
+    <a:lvl4pPr marL="1371600" algn="l" defTabSz="914400" rtl="0" eaLnBrk="1" latinLnBrk="0" hangingPunct="1">
+      <a:defRPr sz="1200" kern="1200">
+        <a:solidFill>
+          <a:schemeClr val="tx1"/>
+        </a:solidFill>
+        <a:latin typeface="+mn-lt"/>
+        <a:ea typeface="+mn-ea"/>
+        <a:cs typeface="+mn-cs"/>
+      </a:defRPr>
+    </a:lvl4pPr>
+    <a:lvl5pPr marL="1828800" algn="l" defTabSz="914400" rtl="0" eaLnBrk="1" latinLnBrk="0" hangingPunct="1">
+      <a:defRPr sz="1200" kern="1200">
+        <a:solidFill>
+          <a:schemeClr val="tx1"/>
+        </a:solidFill>
+        <a:latin typeface="+mn-lt"/>
+        <a:ea typeface="+mn-ea"/>
+        <a:cs typeface="+mn-cs"/>
+      </a:defRPr>
+    </a:lvl5pPr>
+    <a:lvl6pPr marL="2286000" algn="l" defTabSz="914400" rtl="0" eaLnBrk="1" latinLnBrk="0" hangingPunct="1">
+      <a:defRPr sz="1200" kern="1200">
+        <a:solidFill>
+          <a:schemeClr val="tx1"/>
+        </a:solidFill>
+        <a:latin typeface="+mn-lt"/>
+        <a:ea typeface="+mn-ea"/>
+        <a:cs typeface="+mn-cs"/>
+      </a:defRPr>
+    </a:lvl6pPr>
+    <a:lvl7pPr marL="2743200" algn="l" defTabSz="914400" rtl="0" eaLnBrk="1" latinLnBrk="0" hangingPunct="1">
+      <a:defRPr sz="1200" kern="1200">
+        <a:solidFill>
+          <a:schemeClr val="tx1"/>
+        </a:solidFill>
+        <a:latin typeface="+mn-lt"/>
+        <a:ea typeface="+mn-ea"/>
+        <a:cs typeface="+mn-cs"/>
+      </a:defRPr>
+    </a:lvl7pPr>
+    <a:lvl8pPr marL="3200400" algn="l" defTabSz="914400" rtl="0" eaLnBrk="1" latinLnBrk="0" hangingPunct="1">
+      <a:defRPr sz="1200" kern="1200">
+        <a:solidFill>
+          <a:schemeClr val="tx1"/>
+        </a:solidFill>
+        <a:latin typeface="+mn-lt"/>
+        <a:ea typeface="+mn-ea"/>
+        <a:cs typeface="+mn-cs"/>
+      </a:defRPr>
+    </a:lvl8pPr>
+    <a:lvl9pPr marL="3657600" algn="l" defTabSz="914400" rtl="0" eaLnBrk="1" latinLnBrk="0" hangingPunct="1">
+      <a:defRPr sz="1200" kern="1200">
+        <a:solidFill>
+          <a:schemeClr val="tx1"/>
+        </a:solidFill>
+        <a:latin typeface="+mn-lt"/>
+        <a:ea typeface="+mn-ea"/>
+        <a:cs typeface="+mn-cs"/>
+      </a:defRPr>
+    </a:lvl9pPr>
+  </p:notesStyle>
+</p:notesMaster>
+</file>
+
+<file path=ppt/notesSlides/notesSlide1.xml><?xml version="1.0" encoding="utf-8"?>
+<p:notes xmlns:a="http://schemas.openxmlformats.org/drawingml/2006/main" xmlns:r="http://schemas.openxmlformats.org/officeDocument/2006/relationships" xmlns:p="http://schemas.openxmlformats.org/presentationml/2006/main" showMasterSp="0" showMasterPhAnim="0">
+  <p:cSld>
+    <p:spTree>
+      <p:nvGrpSpPr>
+        <p:cNvPr id="1" name="Shape 55"/>
+        <p:cNvGrpSpPr/>
+        <p:nvPr/>
+      </p:nvGrpSpPr>
+      <p:grpSpPr>
+        <a:xfrm>
+          <a:off x="0" y="0"/>
+          <a:ext cx="0" cy="0"/>
+          <a:chOff x="0" y="0"/>
+          <a:chExt cx="0" cy="0"/>
+        </a:xfrm>
+      </p:grpSpPr>
+      <p:sp>
+        <p:nvSpPr>
+          <p:cNvPr id="56" name="Shape 56"/>
+          <p:cNvSpPr>
+            <a:spLocks noGrp="1" noRot="1" noChangeAspect="1"/>
+          </p:cNvSpPr>
+          <p:nvPr>
+            <p:ph type="sldImg" idx="2"/>
+          </p:nvPr>
+        </p:nvSpPr>
+        <p:spPr>
+          <a:xfrm>
+            <a:off x="381000" y="685800"/>
+            <a:ext cx="6096000" cy="3429000"/>
+          </a:xfrm>
+          <a:custGeom>
+            <a:avLst/>
+            <a:gdLst/>
+            <a:ahLst/>
+            <a:cxnLst/>
+            <a:rect l="0" t="0" r="0" b="0"/>
+            <a:pathLst>
+              <a:path w="120000" h="120000" extrusionOk="0">
+                <a:moveTo>
+                  <a:pt x="0" y="0"/>
+                </a:moveTo>
+                <a:lnTo>
+                  <a:pt x="120000" y="0"/>
+                </a:lnTo>
+                <a:lnTo>
+                  <a:pt x="120000" y="120000"/>
+                </a:lnTo>
+                <a:lnTo>
+                  <a:pt x="0" y="120000"/>
+                </a:lnTo>
+                <a:close/>
+              </a:path>
+            </a:pathLst>
+          </a:custGeom>
+        </p:spPr>
+      </p:sp>
+      <p:sp>
+        <p:nvSpPr>
+          <p:cNvPr id="57" name="Shape 57"/>
+          <p:cNvSpPr txBox="1">
+            <a:spLocks noGrp="1"/>
+          </p:cNvSpPr>
+          <p:nvPr>
+            <p:ph type="body" idx="1"/>
+          </p:nvPr>
+        </p:nvSpPr>
+        <p:spPr>
+          <a:xfrm>
+            <a:off x="685800" y="4343400"/>
+            <a:ext cx="5486400" cy="4114800"/>
+          </a:xfrm>
+          <a:prstGeom prst="rect">
+            <a:avLst/>
+          </a:prstGeom>
+        </p:spPr>
+        <p:txBody>
+          <a:bodyPr lIns="91425" tIns="91425" rIns="91425" bIns="91425" anchor="t" anchorCtr="0">
+            <a:noAutofit/>
+          </a:bodyPr>
+          <a:lstStyle/>
+          <a:p>
+            <a:pPr lvl="0">
+              <a:spcBef>
+                <a:spcPts val="0"/>
+              </a:spcBef>
+              <a:buNone/>
+            </a:pPr>
+            <a:endParaRPr/>
+          </a:p>
+        </p:txBody>
+      </p:sp>
+    </p:spTree>
+    <p:extLst>
+      <p:ext uri="{BB962C8B-B14F-4D97-AF65-F5344CB8AC3E}">
+        <p14:creationId xmlns:p14="http://schemas.microsoft.com/office/powerpoint/2010/main" val="1755750269"/>
+      </p:ext>
+    </p:extLst>
+  </p:cSld>
+  <p:clrMapOvr>
+    <a:masterClrMapping/>
+  </p:clrMapOvr>
+</p:notes>
 </file>
 
 <file path=ppt/slideLayouts/slideLayout1.xml><?xml version="1.0" encoding="utf-8"?>
@@ -6000,7 +6452,7 @@
   <p:cSld>
     <p:spTree>
       <p:nvGrpSpPr>
-        <p:cNvPr id="1" name=""/>
+        <p:cNvPr id="1" name="Shape 58"/>
         <p:cNvGrpSpPr/>
         <p:nvPr/>
       </p:nvGrpSpPr>
@@ -6014,222 +6466,90 @@
       </p:grpSpPr>
       <p:sp>
         <p:nvSpPr>
-          <p:cNvPr id="2" name="Title 1"/>
-          <p:cNvSpPr>
+          <p:cNvPr id="59" name="Shape 59"/>
+          <p:cNvSpPr txBox="1">
             <a:spLocks noGrp="1"/>
           </p:cNvSpPr>
           <p:nvPr>
             <p:ph type="ctrTitle"/>
           </p:nvPr>
         </p:nvSpPr>
-        <p:spPr/>
-        <p:txBody>
-          <a:bodyPr/>
+        <p:spPr>
+          <a:xfrm>
+            <a:off x="683600" y="2524400"/>
+            <a:ext cx="10824800" cy="2030400"/>
+          </a:xfrm>
+          <a:prstGeom prst="rect">
+            <a:avLst/>
+          </a:prstGeom>
+        </p:spPr>
+        <p:txBody>
+          <a:bodyPr vert="horz" lIns="121900" tIns="121900" rIns="121900" bIns="121900" rtlCol="0" anchor="b" anchorCtr="0">
+            <a:noAutofit/>
+          </a:bodyPr>
           <a:lstStyle/>
           <a:p>
-            <a:pPr algn="ctr"/>
+            <a:pPr algn="ctr">
+              <a:spcBef>
+                <a:spcPts val="0"/>
+              </a:spcBef>
+            </a:pPr>
+            <a:r>
+              <a:rPr lang="en" dirty="0"/>
+              <a:t>Team 8</a:t>
+            </a:r>
+          </a:p>
+        </p:txBody>
+      </p:sp>
+      <p:sp>
+        <p:nvSpPr>
+          <p:cNvPr id="60" name="Shape 60"/>
+          <p:cNvSpPr txBox="1">
+            <a:spLocks noGrp="1"/>
+          </p:cNvSpPr>
+          <p:nvPr>
+            <p:ph type="subTitle" idx="1"/>
+          </p:nvPr>
+        </p:nvSpPr>
+        <p:spPr>
+          <a:xfrm>
+            <a:off x="683600" y="5120852"/>
+            <a:ext cx="10824800" cy="1050000"/>
+          </a:xfrm>
+          <a:prstGeom prst="rect">
+            <a:avLst/>
+          </a:prstGeom>
+        </p:spPr>
+        <p:txBody>
+          <a:bodyPr vert="horz" lIns="121900" tIns="121900" rIns="121900" bIns="121900" rtlCol="0" anchor="t" anchorCtr="0">
+            <a:noAutofit/>
+          </a:bodyPr>
+          <a:lstStyle/>
+          <a:p>
+            <a:pPr>
+              <a:spcBef>
+                <a:spcPts val="0"/>
+              </a:spcBef>
+            </a:pPr>
             <a:r>
               <a:rPr lang="en-US" dirty="0" smtClean="0"/>
-              <a:t>Final Presentations</a:t>
-            </a:r>
-            <a:br>
-              <a:rPr lang="en-US" dirty="0" smtClean="0"/>
-            </a:br>
-            <a:endParaRPr lang="en-US" dirty="0"/>
-          </a:p>
-        </p:txBody>
-      </p:sp>
-      <p:sp>
-        <p:nvSpPr>
-          <p:cNvPr id="3" name="Subtitle 2"/>
-          <p:cNvSpPr>
-            <a:spLocks noGrp="1"/>
-          </p:cNvSpPr>
-          <p:nvPr>
-            <p:ph type="subTitle" idx="1"/>
-          </p:nvPr>
-        </p:nvSpPr>
-        <p:spPr/>
-        <p:txBody>
-          <a:bodyPr/>
-          <a:lstStyle/>
-          <a:p>
-            <a:endParaRPr lang="en-US" dirty="0"/>
+              <a:t>Mobile</a:t>
+            </a:r>
+            <a:r>
+              <a:rPr lang="en" dirty="0" smtClean="0"/>
+              <a:t> </a:t>
+            </a:r>
+            <a:r>
+              <a:rPr lang="en" dirty="0"/>
+              <a:t>team for Project 2</a:t>
+            </a:r>
           </a:p>
         </p:txBody>
       </p:sp>
     </p:spTree>
     <p:extLst>
       <p:ext uri="{BB962C8B-B14F-4D97-AF65-F5344CB8AC3E}">
-        <p14:creationId xmlns:p14="http://schemas.microsoft.com/office/powerpoint/2010/main" val="1869547593"/>
-      </p:ext>
-    </p:extLst>
-  </p:cSld>
-  <p:clrMapOvr>
-    <a:masterClrMapping/>
-  </p:clrMapOvr>
-</p:sld>
-</file>
-
-<file path=ppt/slides/slide10.xml><?xml version="1.0" encoding="utf-8"?>
-<p:sld xmlns:a="http://schemas.openxmlformats.org/drawingml/2006/main" xmlns:r="http://schemas.openxmlformats.org/officeDocument/2006/relationships" xmlns:p="http://schemas.openxmlformats.org/presentationml/2006/main">
-  <p:cSld>
-    <p:spTree>
-      <p:nvGrpSpPr>
-        <p:cNvPr id="1" name=""/>
-        <p:cNvGrpSpPr/>
-        <p:nvPr/>
-      </p:nvGrpSpPr>
-      <p:grpSpPr>
-        <a:xfrm>
-          <a:off x="0" y="0"/>
-          <a:ext cx="0" cy="0"/>
-          <a:chOff x="0" y="0"/>
-          <a:chExt cx="0" cy="0"/>
-        </a:xfrm>
-      </p:grpSpPr>
-      <p:sp>
-        <p:nvSpPr>
-          <p:cNvPr id="2" name="Title 1"/>
-          <p:cNvSpPr>
-            <a:spLocks noGrp="1"/>
-          </p:cNvSpPr>
-          <p:nvPr>
-            <p:ph type="title"/>
-          </p:nvPr>
-        </p:nvSpPr>
-        <p:spPr/>
-        <p:txBody>
-          <a:bodyPr/>
-          <a:lstStyle/>
-          <a:p>
-            <a:r>
-              <a:rPr lang="en-US" dirty="0"/>
-              <a:t>Demo 2: A simple web server</a:t>
-            </a:r>
-          </a:p>
-        </p:txBody>
-      </p:sp>
-      <p:sp>
-        <p:nvSpPr>
-          <p:cNvPr id="3" name="Content Placeholder 2"/>
-          <p:cNvSpPr>
-            <a:spLocks noGrp="1"/>
-          </p:cNvSpPr>
-          <p:nvPr>
-            <p:ph idx="1"/>
-          </p:nvPr>
-        </p:nvSpPr>
-        <p:spPr/>
-        <p:txBody>
-          <a:bodyPr/>
-          <a:lstStyle/>
-          <a:p>
-            <a:r>
-              <a:rPr lang="en-US" dirty="0" smtClean="0"/>
-              <a:t>Express</a:t>
-            </a:r>
-          </a:p>
-          <a:p>
-            <a:r>
-              <a:rPr lang="en-US" dirty="0" smtClean="0"/>
-              <a:t>Jade</a:t>
-            </a:r>
-          </a:p>
-          <a:p>
-            <a:r>
-              <a:rPr lang="en-US" dirty="0" smtClean="0"/>
-              <a:t>Mongo DB</a:t>
-            </a:r>
-          </a:p>
-        </p:txBody>
-      </p:sp>
-    </p:spTree>
-    <p:extLst>
-      <p:ext uri="{BB962C8B-B14F-4D97-AF65-F5344CB8AC3E}">
-        <p14:creationId xmlns:p14="http://schemas.microsoft.com/office/powerpoint/2010/main" val="1197705925"/>
-      </p:ext>
-    </p:extLst>
-  </p:cSld>
-  <p:clrMapOvr>
-    <a:masterClrMapping/>
-  </p:clrMapOvr>
-</p:sld>
-</file>
-
-<file path=ppt/slides/slide11.xml><?xml version="1.0" encoding="utf-8"?>
-<p:sld xmlns:a="http://schemas.openxmlformats.org/drawingml/2006/main" xmlns:r="http://schemas.openxmlformats.org/officeDocument/2006/relationships" xmlns:p="http://schemas.openxmlformats.org/presentationml/2006/main">
-  <p:cSld>
-    <p:spTree>
-      <p:nvGrpSpPr>
-        <p:cNvPr id="1" name=""/>
-        <p:cNvGrpSpPr/>
-        <p:nvPr/>
-      </p:nvGrpSpPr>
-      <p:grpSpPr>
-        <a:xfrm>
-          <a:off x="0" y="0"/>
-          <a:ext cx="0" cy="0"/>
-          <a:chOff x="0" y="0"/>
-          <a:chExt cx="0" cy="0"/>
-        </a:xfrm>
-      </p:grpSpPr>
-      <p:sp>
-        <p:nvSpPr>
-          <p:cNvPr id="2" name="Title 1"/>
-          <p:cNvSpPr>
-            <a:spLocks noGrp="1"/>
-          </p:cNvSpPr>
-          <p:nvPr>
-            <p:ph type="title"/>
-          </p:nvPr>
-        </p:nvSpPr>
-        <p:spPr/>
-        <p:txBody>
-          <a:bodyPr/>
-          <a:lstStyle/>
-          <a:p>
-            <a:r>
-              <a:rPr lang="en-US" dirty="0" smtClean="0"/>
-              <a:t>Demo 3: Potential to incorporate ML/AI</a:t>
-            </a:r>
-            <a:endParaRPr lang="en-US" dirty="0"/>
-          </a:p>
-        </p:txBody>
-      </p:sp>
-      <p:sp>
-        <p:nvSpPr>
-          <p:cNvPr id="3" name="Content Placeholder 2"/>
-          <p:cNvSpPr>
-            <a:spLocks noGrp="1"/>
-          </p:cNvSpPr>
-          <p:nvPr>
-            <p:ph idx="1"/>
-          </p:nvPr>
-        </p:nvSpPr>
-        <p:spPr/>
-        <p:txBody>
-          <a:bodyPr/>
-          <a:lstStyle/>
-          <a:p>
-            <a:r>
-              <a:rPr lang="en-US" dirty="0" smtClean="0"/>
-              <a:t>Game demo</a:t>
-            </a:r>
-          </a:p>
-          <a:p>
-            <a:r>
-              <a:rPr lang="en-US" dirty="0" smtClean="0"/>
-              <a:t>ML/AI is computation intensive</a:t>
-            </a:r>
-            <a:endParaRPr lang="en-US" dirty="0"/>
-          </a:p>
-        </p:txBody>
-      </p:sp>
-    </p:spTree>
-    <p:extLst>
-      <p:ext uri="{BB962C8B-B14F-4D97-AF65-F5344CB8AC3E}">
-        <p14:creationId xmlns:p14="http://schemas.microsoft.com/office/powerpoint/2010/main" val="1894373835"/>
+        <p14:creationId xmlns:p14="http://schemas.microsoft.com/office/powerpoint/2010/main" val="1464257206"/>
       </p:ext>
     </p:extLst>
   </p:cSld>
@@ -6273,41 +6593,141 @@
           <a:p>
             <a:r>
               <a:rPr lang="en-US" dirty="0" smtClean="0"/>
-              <a:t>Demo 1: barebone web server</a:t>
-            </a:r>
-            <a:endParaRPr lang="en-US" dirty="0"/>
-          </a:p>
-        </p:txBody>
-      </p:sp>
-      <p:pic>
-        <p:nvPicPr>
-          <p:cNvPr id="6" name="Content Placeholder 5"/>
-          <p:cNvPicPr>
-            <a:picLocks noGrp="1" noChangeAspect="1"/>
-          </p:cNvPicPr>
+              <a:t>What worked</a:t>
+            </a:r>
+            <a:endParaRPr lang="en-US" dirty="0"/>
+          </a:p>
+        </p:txBody>
+      </p:sp>
+      <p:sp>
+        <p:nvSpPr>
+          <p:cNvPr id="3" name="Content Placeholder 2"/>
+          <p:cNvSpPr>
+            <a:spLocks noGrp="1"/>
+          </p:cNvSpPr>
           <p:nvPr>
             <p:ph idx="1"/>
           </p:nvPr>
-        </p:nvPicPr>
-        <p:blipFill>
-          <a:blip r:embed="rId2">
-            <a:extLst>
-              <a:ext uri="{28A0092B-C50C-407E-A947-70E740481C1C}">
-                <a14:useLocalDpi xmlns:a14="http://schemas.microsoft.com/office/drawing/2010/main" val="0"/>
-              </a:ext>
-            </a:extLst>
-          </a:blip>
-          <a:stretch>
-            <a:fillRect/>
-          </a:stretch>
-        </p:blipFill>
-        <p:spPr>
-          <a:xfrm>
-            <a:off x="1522897" y="1980756"/>
-            <a:ext cx="7023100" cy="3657600"/>
-          </a:xfrm>
-        </p:spPr>
-      </p:pic>
+        </p:nvSpPr>
+        <p:spPr/>
+        <p:txBody>
+          <a:bodyPr/>
+          <a:lstStyle/>
+          <a:p>
+            <a:r>
+              <a:rPr lang="en-US" dirty="0" smtClean="0"/>
+              <a:t>The Android Volley library</a:t>
+            </a:r>
+          </a:p>
+          <a:p>
+            <a:pPr marL="0" indent="0">
+              <a:buNone/>
+            </a:pPr>
+            <a:r>
+              <a:rPr lang="en-US" dirty="0" smtClean="0"/>
+              <a:t>-    Have </a:t>
+            </a:r>
+            <a:r>
+              <a:rPr lang="en-US" dirty="0" smtClean="0"/>
+              <a:t>to do some customization though</a:t>
+            </a:r>
+          </a:p>
+          <a:p>
+            <a:pPr>
+              <a:buFontTx/>
+              <a:buChar char="-"/>
+            </a:pPr>
+            <a:endParaRPr lang="en-US" dirty="0" smtClean="0"/>
+          </a:p>
+          <a:p>
+            <a:r>
+              <a:rPr lang="en-US" dirty="0" smtClean="0"/>
+              <a:t>Make Volley request queue a singleton</a:t>
+            </a:r>
+          </a:p>
+          <a:p>
+            <a:pPr marL="0" indent="0">
+              <a:buNone/>
+            </a:pPr>
+            <a:r>
+              <a:rPr lang="en-US" dirty="0" smtClean="0"/>
+              <a:t>-    Since the app </a:t>
+            </a:r>
+            <a:r>
+              <a:rPr lang="en-US" dirty="0" smtClean="0"/>
+              <a:t>needs a</a:t>
+            </a:r>
+            <a:r>
+              <a:rPr lang="en-US" dirty="0" smtClean="0"/>
+              <a:t> lot </a:t>
+            </a:r>
+            <a:r>
+              <a:rPr lang="en-US" dirty="0" smtClean="0"/>
+              <a:t>of </a:t>
+            </a:r>
+            <a:r>
+              <a:rPr lang="en-US" dirty="0" smtClean="0"/>
+              <a:t>network interactions</a:t>
+            </a:r>
+            <a:r>
+              <a:rPr lang="en-US" dirty="0" smtClean="0"/>
+              <a:t>, </a:t>
+            </a:r>
+            <a:r>
+              <a:rPr lang="en-US" dirty="0" smtClean="0"/>
+              <a:t>the life cycle of the request queue should be the same as that of the app.</a:t>
+            </a:r>
+          </a:p>
+          <a:p>
+            <a:pPr marL="0" indent="0">
+              <a:buNone/>
+            </a:pPr>
+            <a:endParaRPr lang="en-US" dirty="0" smtClean="0"/>
+          </a:p>
+          <a:p>
+            <a:r>
+              <a:rPr lang="en-US" dirty="0" smtClean="0"/>
+              <a:t>Make Volley request queue an </a:t>
+            </a:r>
+            <a:r>
+              <a:rPr lang="en-US" dirty="0" err="1" smtClean="0"/>
+              <a:t>IdlingResource</a:t>
+            </a:r>
+            <a:r>
+              <a:rPr lang="en-US" dirty="0" smtClean="0"/>
+              <a:t> in Espresso</a:t>
+            </a:r>
+          </a:p>
+          <a:p>
+            <a:pPr marL="0" indent="0">
+              <a:buNone/>
+            </a:pPr>
+            <a:r>
+              <a:rPr lang="en-US" dirty="0" smtClean="0"/>
+              <a:t>-    Since the communication with the server takes some time to complete, </a:t>
+            </a:r>
+            <a:r>
+              <a:rPr lang="en-US" dirty="0" smtClean="0"/>
+              <a:t>the </a:t>
+            </a:r>
+            <a:r>
+              <a:rPr lang="en-US" dirty="0" smtClean="0"/>
+              <a:t>Espresso </a:t>
+            </a:r>
+            <a:r>
+              <a:rPr lang="en-US" dirty="0" smtClean="0"/>
+              <a:t>has to wait </a:t>
+            </a:r>
+            <a:r>
+              <a:rPr lang="en-US" dirty="0" smtClean="0"/>
+              <a:t>for the interaction to complete. </a:t>
+            </a:r>
+          </a:p>
+          <a:p>
+            <a:endParaRPr lang="en-US" dirty="0"/>
+          </a:p>
+        </p:txBody>
+      </p:sp>
     </p:spTree>
     <p:extLst>
       <p:ext uri="{BB962C8B-B14F-4D97-AF65-F5344CB8AC3E}">
@@ -6355,7 +6775,7 @@
           <a:p>
             <a:r>
               <a:rPr lang="en-US" dirty="0" smtClean="0"/>
-              <a:t>Demo 2: A simple web server</a:t>
+              <a:t>What didn’t work out</a:t>
             </a:r>
             <a:endParaRPr lang="en-US" dirty="0"/>
           </a:p>
@@ -6377,98 +6797,68 @@
           <a:lstStyle/>
           <a:p>
             <a:r>
-              <a:rPr lang="en-US" dirty="0" err="1"/>
-              <a:t>Prepatation</a:t>
-            </a:r>
-            <a:endParaRPr lang="en-US" dirty="0"/>
-          </a:p>
-          <a:p>
-            <a:endParaRPr lang="en-US" dirty="0"/>
-          </a:p>
-          <a:p>
-            <a:pPr marL="457200" indent="-457200">
-              <a:buFont typeface="+mj-lt"/>
-              <a:buAutoNum type="arabicPeriod"/>
+              <a:rPr lang="en-US" dirty="0"/>
+              <a:t>T</a:t>
+            </a:r>
+            <a:r>
+              <a:rPr lang="en-US" dirty="0" smtClean="0"/>
+              <a:t>he </a:t>
+            </a:r>
+            <a:r>
+              <a:rPr lang="en-US" dirty="0" smtClean="0"/>
+              <a:t>interface provided by the Volley </a:t>
+            </a:r>
+            <a:r>
+              <a:rPr lang="en-US" dirty="0" smtClean="0"/>
+              <a:t>library</a:t>
+            </a:r>
+          </a:p>
+          <a:p>
+            <a:pPr marL="0" indent="0">
+              <a:buNone/>
             </a:pPr>
             <a:r>
-              <a:rPr lang="en-US" dirty="0" err="1"/>
-              <a:t>npm</a:t>
-            </a:r>
-            <a:r>
-              <a:rPr lang="en-US" dirty="0"/>
-              <a:t> </a:t>
-            </a:r>
-            <a:r>
-              <a:rPr lang="en-US" dirty="0" err="1"/>
-              <a:t>init</a:t>
-            </a:r>
-            <a:endParaRPr lang="en-US" dirty="0"/>
-          </a:p>
-          <a:p>
-            <a:pPr marL="457200" indent="-457200">
-              <a:buFont typeface="+mj-lt"/>
-              <a:buAutoNum type="arabicPeriod"/>
+              <a:rPr lang="en-US" dirty="0" smtClean="0"/>
+              <a:t>-    Volley library support only string request and </a:t>
+            </a:r>
+            <a:r>
+              <a:rPr lang="en-US" dirty="0" err="1" smtClean="0"/>
+              <a:t>json</a:t>
+            </a:r>
+            <a:r>
+              <a:rPr lang="en-US" dirty="0" smtClean="0"/>
+              <a:t> request</a:t>
+            </a:r>
+          </a:p>
+          <a:p>
+            <a:pPr>
+              <a:buFontTx/>
+              <a:buChar char="-"/>
             </a:pPr>
-            <a:r>
-              <a:rPr lang="en-US" dirty="0" err="1"/>
-              <a:t>npm</a:t>
-            </a:r>
-            <a:r>
-              <a:rPr lang="en-US" dirty="0"/>
-              <a:t> install formidable --save</a:t>
-            </a:r>
-          </a:p>
-          <a:p>
-            <a:pPr marL="457200" indent="-457200">
-              <a:buFont typeface="+mj-lt"/>
-              <a:buAutoNum type="arabicPeriod"/>
+            <a:endParaRPr lang="en-US" dirty="0" smtClean="0"/>
+          </a:p>
+          <a:p>
+            <a:r>
+              <a:rPr lang="en-US" dirty="0" smtClean="0"/>
+              <a:t>The combination of Volley and Espresso is not very straight forward</a:t>
+            </a:r>
+            <a:r>
+              <a:rPr lang="en-US" dirty="0" smtClean="0"/>
+              <a:t>.</a:t>
+            </a:r>
+          </a:p>
+          <a:p>
+            <a:pPr marL="0" indent="0">
+              <a:buNone/>
             </a:pPr>
             <a:r>
-              <a:rPr lang="en-US" dirty="0" err="1"/>
-              <a:t>mkdir</a:t>
-            </a:r>
-            <a:r>
-              <a:rPr lang="en-US" dirty="0"/>
-              <a:t> </a:t>
-            </a:r>
-            <a:r>
-              <a:rPr lang="en-US" dirty="0" err="1"/>
-              <a:t>tmp</a:t>
-            </a:r>
-            <a:endParaRPr lang="en-US" dirty="0"/>
-          </a:p>
-        </p:txBody>
-      </p:sp>
-      <p:pic>
-        <p:nvPicPr>
-          <p:cNvPr id="4" name="Picture 3"/>
-          <p:cNvPicPr>
-            <a:picLocks noChangeAspect="1"/>
-          </p:cNvPicPr>
-          <p:nvPr/>
-        </p:nvPicPr>
-        <p:blipFill>
-          <a:blip r:embed="rId2">
-            <a:extLst>
-              <a:ext uri="{28A0092B-C50C-407E-A947-70E740481C1C}">
-                <a14:useLocalDpi xmlns:a14="http://schemas.microsoft.com/office/drawing/2010/main" val="0"/>
-              </a:ext>
-            </a:extLst>
-          </a:blip>
-          <a:stretch>
-            <a:fillRect/>
-          </a:stretch>
-        </p:blipFill>
-        <p:spPr>
-          <a:xfrm>
-            <a:off x="5576582" y="2214806"/>
-            <a:ext cx="5966791" cy="2983396"/>
-          </a:xfrm>
-          <a:prstGeom prst="rect">
-            <a:avLst/>
-          </a:prstGeom>
-        </p:spPr>
-      </p:pic>
+              <a:rPr lang="en-US" dirty="0" smtClean="0"/>
+              <a:t>-    It is doable but needs some tweaking.</a:t>
+            </a:r>
+            <a:endParaRPr lang="en-US" dirty="0"/>
+          </a:p>
+        </p:txBody>
+      </p:sp>
     </p:spTree>
     <p:extLst>
       <p:ext uri="{BB962C8B-B14F-4D97-AF65-F5344CB8AC3E}">
@@ -6501,522 +6891,69 @@
       </p:grpSpPr>
       <p:sp>
         <p:nvSpPr>
-          <p:cNvPr id="4" name="Content Placeholder 2"/>
-          <p:cNvSpPr>
-            <a:spLocks noGrp="1"/>
-          </p:cNvSpPr>
-          <p:nvPr>
-            <p:ph idx="1"/>
-          </p:nvPr>
-        </p:nvSpPr>
-        <p:spPr>
-          <a:xfrm>
-            <a:off x="1103312" y="885693"/>
-            <a:ext cx="8946541" cy="4195481"/>
-          </a:xfrm>
-        </p:spPr>
+          <p:cNvPr id="2" name="Title 1"/>
+          <p:cNvSpPr>
+            <a:spLocks noGrp="1"/>
+          </p:cNvSpPr>
+          <p:nvPr>
+            <p:ph type="title"/>
+          </p:nvPr>
+        </p:nvSpPr>
+        <p:spPr/>
         <p:txBody>
           <a:bodyPr/>
           <a:lstStyle/>
           <a:p>
             <a:r>
               <a:rPr lang="en-US" dirty="0" smtClean="0"/>
-              <a:t>Organization</a:t>
-            </a:r>
-          </a:p>
-          <a:p>
-            <a:endParaRPr lang="en-US" dirty="0"/>
-          </a:p>
-          <a:p>
-            <a:pPr marL="457200" indent="-457200">
-              <a:buFont typeface="+mj-lt"/>
-              <a:buAutoNum type="arabicPeriod"/>
-            </a:pPr>
-            <a:r>
-              <a:rPr lang="en-US" dirty="0" err="1"/>
-              <a:t>Mainfile</a:t>
-            </a:r>
-            <a:r>
-              <a:rPr lang="en-US" dirty="0"/>
-              <a:t>: </a:t>
-            </a:r>
-            <a:r>
-              <a:rPr lang="en-US" dirty="0" err="1"/>
-              <a:t>index.js</a:t>
-            </a:r>
-            <a:r>
-              <a:rPr lang="en-US" dirty="0"/>
-              <a:t>/</a:t>
-            </a:r>
-            <a:r>
-              <a:rPr lang="en-US" dirty="0" err="1"/>
-              <a:t>app.js</a:t>
-            </a:r>
-            <a:endParaRPr lang="en-US" dirty="0"/>
-          </a:p>
-          <a:p>
-            <a:pPr marL="457200" indent="-457200">
-              <a:buFont typeface="+mj-lt"/>
-              <a:buAutoNum type="arabicPeriod"/>
-            </a:pPr>
-            <a:r>
-              <a:rPr lang="en-US" dirty="0"/>
-              <a:t>HTTP server: </a:t>
-            </a:r>
-            <a:r>
-              <a:rPr lang="en-US" dirty="0" err="1"/>
-              <a:t>server.js</a:t>
-            </a:r>
-            <a:endParaRPr lang="en-US" dirty="0"/>
-          </a:p>
-          <a:p>
-            <a:pPr marL="457200" indent="-457200">
-              <a:buFont typeface="+mj-lt"/>
-              <a:buAutoNum type="arabicPeriod"/>
-            </a:pPr>
-            <a:r>
-              <a:rPr lang="en-US" dirty="0"/>
-              <a:t>Router: </a:t>
-            </a:r>
-            <a:r>
-              <a:rPr lang="en-US" dirty="0" err="1"/>
-              <a:t>router.js</a:t>
-            </a:r>
-            <a:endParaRPr lang="en-US" dirty="0"/>
-          </a:p>
-          <a:p>
-            <a:pPr marL="457200" indent="-457200">
-              <a:buFont typeface="+mj-lt"/>
-              <a:buAutoNum type="arabicPeriod"/>
-            </a:pPr>
-            <a:r>
-              <a:rPr lang="en-US" dirty="0"/>
-              <a:t>Request handlers: </a:t>
-            </a:r>
-            <a:r>
-              <a:rPr lang="en-US" dirty="0" err="1"/>
-              <a:t>requestHandlers.js</a:t>
-            </a:r>
-            <a:endParaRPr lang="en-US" dirty="0"/>
+              <a:t>What is the lesson learned</a:t>
+            </a:r>
+            <a:endParaRPr lang="en-US" dirty="0"/>
+          </a:p>
+        </p:txBody>
+      </p:sp>
+      <p:sp>
+        <p:nvSpPr>
+          <p:cNvPr id="3" name="Content Placeholder 2"/>
+          <p:cNvSpPr>
+            <a:spLocks noGrp="1"/>
+          </p:cNvSpPr>
+          <p:nvPr>
+            <p:ph idx="1"/>
+          </p:nvPr>
+        </p:nvSpPr>
+        <p:spPr/>
+        <p:txBody>
+          <a:bodyPr/>
+          <a:lstStyle/>
+          <a:p>
+            <a:r>
+              <a:rPr lang="en-US" dirty="0" smtClean="0"/>
+              <a:t>Should have better communication with the server team</a:t>
+            </a:r>
+            <a:r>
+              <a:rPr lang="en-US" dirty="0" smtClean="0"/>
+              <a:t>.</a:t>
+            </a:r>
+          </a:p>
+          <a:p>
+            <a:endParaRPr lang="en-US" dirty="0" smtClean="0"/>
+          </a:p>
+          <a:p>
+            <a:r>
+              <a:rPr lang="en-US" dirty="0" smtClean="0"/>
+              <a:t>Should start early</a:t>
+            </a:r>
+          </a:p>
+          <a:p>
+            <a:endParaRPr lang="en-US" dirty="0" smtClean="0"/>
           </a:p>
         </p:txBody>
       </p:sp>
     </p:spTree>
     <p:extLst>
       <p:ext uri="{BB962C8B-B14F-4D97-AF65-F5344CB8AC3E}">
-        <p14:creationId xmlns:p14="http://schemas.microsoft.com/office/powerpoint/2010/main" val="1643906359"/>
-      </p:ext>
-    </p:extLst>
-  </p:cSld>
-  <p:clrMapOvr>
-    <a:masterClrMapping/>
-  </p:clrMapOvr>
-</p:sld>
-</file>
-
-<file path=ppt/slides/slide5.xml><?xml version="1.0" encoding="utf-8"?>
-<p:sld xmlns:a="http://schemas.openxmlformats.org/drawingml/2006/main" xmlns:r="http://schemas.openxmlformats.org/officeDocument/2006/relationships" xmlns:p="http://schemas.openxmlformats.org/presentationml/2006/main">
-  <p:cSld>
-    <p:spTree>
-      <p:nvGrpSpPr>
-        <p:cNvPr id="1" name=""/>
-        <p:cNvGrpSpPr/>
-        <p:nvPr/>
-      </p:nvGrpSpPr>
-      <p:grpSpPr>
-        <a:xfrm>
-          <a:off x="0" y="0"/>
-          <a:ext cx="0" cy="0"/>
-          <a:chOff x="0" y="0"/>
-          <a:chExt cx="0" cy="0"/>
-        </a:xfrm>
-      </p:grpSpPr>
-      <p:sp>
-        <p:nvSpPr>
-          <p:cNvPr id="3" name="Content Placeholder 2"/>
-          <p:cNvSpPr>
-            <a:spLocks noGrp="1"/>
-          </p:cNvSpPr>
-          <p:nvPr>
-            <p:ph idx="1"/>
-          </p:nvPr>
-        </p:nvSpPr>
-        <p:spPr>
-          <a:xfrm>
-            <a:off x="1103312" y="885693"/>
-            <a:ext cx="8946541" cy="4195481"/>
-          </a:xfrm>
-        </p:spPr>
-        <p:txBody>
-          <a:bodyPr/>
-          <a:lstStyle/>
-          <a:p>
-            <a:r>
-              <a:rPr lang="en-US" dirty="0" err="1" smtClean="0"/>
-              <a:t>Mainfile</a:t>
-            </a:r>
-            <a:endParaRPr lang="en-US" dirty="0"/>
-          </a:p>
-        </p:txBody>
-      </p:sp>
-      <p:pic>
-        <p:nvPicPr>
-          <p:cNvPr id="5" name="Picture 4"/>
-          <p:cNvPicPr>
-            <a:picLocks noChangeAspect="1"/>
-          </p:cNvPicPr>
-          <p:nvPr/>
-        </p:nvPicPr>
-        <p:blipFill>
-          <a:blip r:embed="rId2">
-            <a:extLst>
-              <a:ext uri="{28A0092B-C50C-407E-A947-70E740481C1C}">
-                <a14:useLocalDpi xmlns:a14="http://schemas.microsoft.com/office/drawing/2010/main" val="0"/>
-              </a:ext>
-            </a:extLst>
-          </a:blip>
-          <a:stretch>
-            <a:fillRect/>
-          </a:stretch>
-        </p:blipFill>
-        <p:spPr>
-          <a:xfrm>
-            <a:off x="1531200" y="2029277"/>
-            <a:ext cx="5618325" cy="2552700"/>
-          </a:xfrm>
-          <a:prstGeom prst="rect">
-            <a:avLst/>
-          </a:prstGeom>
-        </p:spPr>
-      </p:pic>
-    </p:spTree>
-    <p:extLst>
-      <p:ext uri="{BB962C8B-B14F-4D97-AF65-F5344CB8AC3E}">
-        <p14:creationId xmlns:p14="http://schemas.microsoft.com/office/powerpoint/2010/main" val="779910438"/>
-      </p:ext>
-    </p:extLst>
-  </p:cSld>
-  <p:clrMapOvr>
-    <a:masterClrMapping/>
-  </p:clrMapOvr>
-</p:sld>
-</file>
-
-<file path=ppt/slides/slide6.xml><?xml version="1.0" encoding="utf-8"?>
-<p:sld xmlns:a="http://schemas.openxmlformats.org/drawingml/2006/main" xmlns:r="http://schemas.openxmlformats.org/officeDocument/2006/relationships" xmlns:p="http://schemas.openxmlformats.org/presentationml/2006/main">
-  <p:cSld>
-    <p:spTree>
-      <p:nvGrpSpPr>
-        <p:cNvPr id="1" name=""/>
-        <p:cNvGrpSpPr/>
-        <p:nvPr/>
-      </p:nvGrpSpPr>
-      <p:grpSpPr>
-        <a:xfrm>
-          <a:off x="0" y="0"/>
-          <a:ext cx="0" cy="0"/>
-          <a:chOff x="0" y="0"/>
-          <a:chExt cx="0" cy="0"/>
-        </a:xfrm>
-      </p:grpSpPr>
-      <p:sp>
-        <p:nvSpPr>
-          <p:cNvPr id="3" name="Content Placeholder 2"/>
-          <p:cNvSpPr>
-            <a:spLocks noGrp="1"/>
-          </p:cNvSpPr>
-          <p:nvPr>
-            <p:ph idx="1"/>
-          </p:nvPr>
-        </p:nvSpPr>
-        <p:spPr>
-          <a:xfrm>
-            <a:off x="1103313" y="886727"/>
-            <a:ext cx="8946541" cy="4195481"/>
-          </a:xfrm>
-        </p:spPr>
-        <p:txBody>
-          <a:bodyPr/>
-          <a:lstStyle/>
-          <a:p>
-            <a:r>
-              <a:rPr lang="en-US" dirty="0" smtClean="0"/>
-              <a:t>HTTP server</a:t>
-            </a:r>
-            <a:endParaRPr lang="en-US" dirty="0"/>
-          </a:p>
-        </p:txBody>
-      </p:sp>
-      <p:pic>
-        <p:nvPicPr>
-          <p:cNvPr id="4" name="Picture 3"/>
-          <p:cNvPicPr>
-            <a:picLocks noChangeAspect="1"/>
-          </p:cNvPicPr>
-          <p:nvPr/>
-        </p:nvPicPr>
-        <p:blipFill>
-          <a:blip r:embed="rId2">
-            <a:extLst>
-              <a:ext uri="{28A0092B-C50C-407E-A947-70E740481C1C}">
-                <a14:useLocalDpi xmlns:a14="http://schemas.microsoft.com/office/drawing/2010/main" val="0"/>
-              </a:ext>
-            </a:extLst>
-          </a:blip>
-          <a:stretch>
-            <a:fillRect/>
-          </a:stretch>
-        </p:blipFill>
-        <p:spPr>
-          <a:xfrm>
-            <a:off x="1529794" y="2065220"/>
-            <a:ext cx="6515100" cy="3216903"/>
-          </a:xfrm>
-          <a:prstGeom prst="rect">
-            <a:avLst/>
-          </a:prstGeom>
-        </p:spPr>
-      </p:pic>
-    </p:spTree>
-    <p:extLst>
-      <p:ext uri="{BB962C8B-B14F-4D97-AF65-F5344CB8AC3E}">
-        <p14:creationId xmlns:p14="http://schemas.microsoft.com/office/powerpoint/2010/main" val="64938050"/>
-      </p:ext>
-    </p:extLst>
-  </p:cSld>
-  <p:clrMapOvr>
-    <a:masterClrMapping/>
-  </p:clrMapOvr>
-</p:sld>
-</file>
-
-<file path=ppt/slides/slide7.xml><?xml version="1.0" encoding="utf-8"?>
-<p:sld xmlns:a="http://schemas.openxmlformats.org/drawingml/2006/main" xmlns:r="http://schemas.openxmlformats.org/officeDocument/2006/relationships" xmlns:p="http://schemas.openxmlformats.org/presentationml/2006/main">
-  <p:cSld>
-    <p:spTree>
-      <p:nvGrpSpPr>
-        <p:cNvPr id="1" name=""/>
-        <p:cNvGrpSpPr/>
-        <p:nvPr/>
-      </p:nvGrpSpPr>
-      <p:grpSpPr>
-        <a:xfrm>
-          <a:off x="0" y="0"/>
-          <a:ext cx="0" cy="0"/>
-          <a:chOff x="0" y="0"/>
-          <a:chExt cx="0" cy="0"/>
-        </a:xfrm>
-      </p:grpSpPr>
-      <p:sp>
-        <p:nvSpPr>
-          <p:cNvPr id="3" name="Content Placeholder 2"/>
-          <p:cNvSpPr>
-            <a:spLocks noGrp="1"/>
-          </p:cNvSpPr>
-          <p:nvPr>
-            <p:ph idx="1"/>
-          </p:nvPr>
-        </p:nvSpPr>
-        <p:spPr>
-          <a:xfrm>
-            <a:off x="1103312" y="900310"/>
-            <a:ext cx="8946541" cy="4195481"/>
-          </a:xfrm>
-        </p:spPr>
-        <p:txBody>
-          <a:bodyPr/>
-          <a:lstStyle/>
-          <a:p>
-            <a:r>
-              <a:rPr lang="en-US" dirty="0" smtClean="0"/>
-              <a:t>Router</a:t>
-            </a:r>
-            <a:endParaRPr lang="en-US" dirty="0"/>
-          </a:p>
-        </p:txBody>
-      </p:sp>
-      <p:pic>
-        <p:nvPicPr>
-          <p:cNvPr id="4" name="Picture 3"/>
-          <p:cNvPicPr>
-            <a:picLocks noChangeAspect="1"/>
-          </p:cNvPicPr>
-          <p:nvPr/>
-        </p:nvPicPr>
-        <p:blipFill>
-          <a:blip r:embed="rId2">
-            <a:extLst>
-              <a:ext uri="{28A0092B-C50C-407E-A947-70E740481C1C}">
-                <a14:useLocalDpi xmlns:a14="http://schemas.microsoft.com/office/drawing/2010/main" val="0"/>
-              </a:ext>
-            </a:extLst>
-          </a:blip>
-          <a:stretch>
-            <a:fillRect/>
-          </a:stretch>
-        </p:blipFill>
-        <p:spPr>
-          <a:xfrm>
-            <a:off x="1525048" y="2056625"/>
-            <a:ext cx="6896100" cy="3039166"/>
-          </a:xfrm>
-          <a:prstGeom prst="rect">
-            <a:avLst/>
-          </a:prstGeom>
-        </p:spPr>
-      </p:pic>
-    </p:spTree>
-    <p:extLst>
-      <p:ext uri="{BB962C8B-B14F-4D97-AF65-F5344CB8AC3E}">
-        <p14:creationId xmlns:p14="http://schemas.microsoft.com/office/powerpoint/2010/main" val="492113674"/>
-      </p:ext>
-    </p:extLst>
-  </p:cSld>
-  <p:clrMapOvr>
-    <a:masterClrMapping/>
-  </p:clrMapOvr>
-</p:sld>
-</file>
-
-<file path=ppt/slides/slide8.xml><?xml version="1.0" encoding="utf-8"?>
-<p:sld xmlns:a="http://schemas.openxmlformats.org/drawingml/2006/main" xmlns:r="http://schemas.openxmlformats.org/officeDocument/2006/relationships" xmlns:p="http://schemas.openxmlformats.org/presentationml/2006/main">
-  <p:cSld>
-    <p:spTree>
-      <p:nvGrpSpPr>
-        <p:cNvPr id="1" name=""/>
-        <p:cNvGrpSpPr/>
-        <p:nvPr/>
-      </p:nvGrpSpPr>
-      <p:grpSpPr>
-        <a:xfrm>
-          <a:off x="0" y="0"/>
-          <a:ext cx="0" cy="0"/>
-          <a:chOff x="0" y="0"/>
-          <a:chExt cx="0" cy="0"/>
-        </a:xfrm>
-      </p:grpSpPr>
-      <p:sp>
-        <p:nvSpPr>
-          <p:cNvPr id="3" name="Content Placeholder 2"/>
-          <p:cNvSpPr>
-            <a:spLocks noGrp="1"/>
-          </p:cNvSpPr>
-          <p:nvPr>
-            <p:ph idx="1"/>
-          </p:nvPr>
-        </p:nvSpPr>
-        <p:spPr>
-          <a:xfrm>
-            <a:off x="1103312" y="886727"/>
-            <a:ext cx="8946541" cy="4195481"/>
-          </a:xfrm>
-        </p:spPr>
-        <p:txBody>
-          <a:bodyPr/>
-          <a:lstStyle/>
-          <a:p>
-            <a:r>
-              <a:rPr lang="en-US" dirty="0" smtClean="0"/>
-              <a:t>Request handlers</a:t>
-            </a:r>
-            <a:endParaRPr lang="en-US" dirty="0"/>
-          </a:p>
-        </p:txBody>
-      </p:sp>
-      <p:pic>
-        <p:nvPicPr>
-          <p:cNvPr id="4" name="Picture 3"/>
-          <p:cNvPicPr>
-            <a:picLocks noChangeAspect="1"/>
-          </p:cNvPicPr>
-          <p:nvPr/>
-        </p:nvPicPr>
-        <p:blipFill>
-          <a:blip r:embed="rId2">
-            <a:extLst>
-              <a:ext uri="{28A0092B-C50C-407E-A947-70E740481C1C}">
-                <a14:useLocalDpi xmlns:a14="http://schemas.microsoft.com/office/drawing/2010/main" val="0"/>
-              </a:ext>
-            </a:extLst>
-          </a:blip>
-          <a:stretch>
-            <a:fillRect/>
-          </a:stretch>
-        </p:blipFill>
-        <p:spPr>
-          <a:xfrm>
-            <a:off x="1520677" y="1866498"/>
-            <a:ext cx="7093235" cy="4020269"/>
-          </a:xfrm>
-          <a:prstGeom prst="rect">
-            <a:avLst/>
-          </a:prstGeom>
-        </p:spPr>
-      </p:pic>
-    </p:spTree>
-    <p:extLst>
-      <p:ext uri="{BB962C8B-B14F-4D97-AF65-F5344CB8AC3E}">
-        <p14:creationId xmlns:p14="http://schemas.microsoft.com/office/powerpoint/2010/main" val="1502173192"/>
-      </p:ext>
-    </p:extLst>
-  </p:cSld>
-  <p:clrMapOvr>
-    <a:masterClrMapping/>
-  </p:clrMapOvr>
-</p:sld>
-</file>
-
-<file path=ppt/slides/slide9.xml><?xml version="1.0" encoding="utf-8"?>
-<p:sld xmlns:a="http://schemas.openxmlformats.org/drawingml/2006/main" xmlns:r="http://schemas.openxmlformats.org/officeDocument/2006/relationships" xmlns:p="http://schemas.openxmlformats.org/presentationml/2006/main">
-  <p:cSld>
-    <p:spTree>
-      <p:nvGrpSpPr>
-        <p:cNvPr id="1" name=""/>
-        <p:cNvGrpSpPr/>
-        <p:nvPr/>
-      </p:nvGrpSpPr>
-      <p:grpSpPr>
-        <a:xfrm>
-          <a:off x="0" y="0"/>
-          <a:ext cx="0" cy="0"/>
-          <a:chOff x="0" y="0"/>
-          <a:chExt cx="0" cy="0"/>
-        </a:xfrm>
-      </p:grpSpPr>
-      <p:pic>
-        <p:nvPicPr>
-          <p:cNvPr id="4" name="Picture 3"/>
-          <p:cNvPicPr>
-            <a:picLocks noChangeAspect="1"/>
-          </p:cNvPicPr>
-          <p:nvPr/>
-        </p:nvPicPr>
-        <p:blipFill>
-          <a:blip r:embed="rId2">
-            <a:extLst>
-              <a:ext uri="{28A0092B-C50C-407E-A947-70E740481C1C}">
-                <a14:useLocalDpi xmlns:a14="http://schemas.microsoft.com/office/drawing/2010/main" val="0"/>
-              </a:ext>
-            </a:extLst>
-          </a:blip>
-          <a:stretch>
-            <a:fillRect/>
-          </a:stretch>
-        </p:blipFill>
-        <p:spPr>
-          <a:xfrm>
-            <a:off x="1527244" y="185531"/>
-            <a:ext cx="6649381" cy="6440558"/>
-          </a:xfrm>
-          <a:prstGeom prst="rect">
-            <a:avLst/>
-          </a:prstGeom>
-        </p:spPr>
-      </p:pic>
-    </p:spTree>
-    <p:extLst>
-      <p:ext uri="{BB962C8B-B14F-4D97-AF65-F5344CB8AC3E}">
-        <p14:creationId xmlns:p14="http://schemas.microsoft.com/office/powerpoint/2010/main" val="1943372898"/>
+        <p14:creationId xmlns:p14="http://schemas.microsoft.com/office/powerpoint/2010/main" val="1197705925"/>
       </p:ext>
     </p:extLst>
   </p:cSld>
@@ -7290,4 +7227,265 @@
     </a:ext>
   </a:extLst>
 </a:theme>
+</file>
+
+<file path=ppt/theme/theme2.xml><?xml version="1.0" encoding="utf-8"?>
+<a:theme xmlns:a="http://schemas.openxmlformats.org/drawingml/2006/main" name="Office Theme">
+  <a:themeElements>
+    <a:clrScheme name="Office">
+      <a:dk1>
+        <a:sysClr val="windowText" lastClr="000000"/>
+      </a:dk1>
+      <a:lt1>
+        <a:sysClr val="window" lastClr="FFFFFF"/>
+      </a:lt1>
+      <a:dk2>
+        <a:srgbClr val="44546A"/>
+      </a:dk2>
+      <a:lt2>
+        <a:srgbClr val="E7E6E6"/>
+      </a:lt2>
+      <a:accent1>
+        <a:srgbClr val="4472C4"/>
+      </a:accent1>
+      <a:accent2>
+        <a:srgbClr val="ED7D31"/>
+      </a:accent2>
+      <a:accent3>
+        <a:srgbClr val="A5A5A5"/>
+      </a:accent3>
+      <a:accent4>
+        <a:srgbClr val="FFC000"/>
+      </a:accent4>
+      <a:accent5>
+        <a:srgbClr val="5B9BD5"/>
+      </a:accent5>
+      <a:accent6>
+        <a:srgbClr val="70AD47"/>
+      </a:accent6>
+      <a:hlink>
+        <a:srgbClr val="0563C1"/>
+      </a:hlink>
+      <a:folHlink>
+        <a:srgbClr val="954F72"/>
+      </a:folHlink>
+    </a:clrScheme>
+    <a:fontScheme name="Office">
+      <a:majorFont>
+        <a:latin typeface="Calibri Light" panose="020F0302020204030204"/>
+        <a:ea typeface=""/>
+        <a:cs typeface=""/>
+        <a:font script="Jpan" typeface="Yu Gothic Light"/>
+        <a:font script="Hang" typeface="맑은 고딕"/>
+        <a:font script="Hans" typeface="DengXian Light"/>
+        <a:font script="Hant" typeface="新細明體"/>
+        <a:font script="Arab" typeface="Times New Roman"/>
+        <a:font script="Hebr" typeface="Times New Roman"/>
+        <a:font script="Thai" typeface="Angsana New"/>
+        <a:font script="Ethi" typeface="Nyala"/>
+        <a:font script="Beng" typeface="Vrinda"/>
+        <a:font script="Gujr" typeface="Shruti"/>
+        <a:font script="Khmr" typeface="MoolBoran"/>
+        <a:font script="Knda" typeface="Tunga"/>
+        <a:font script="Guru" typeface="Raavi"/>
+        <a:font script="Cans" typeface="Euphemia"/>
+        <a:font script="Cher" typeface="Plantagenet Cherokee"/>
+        <a:font script="Yiii" typeface="Microsoft Yi Baiti"/>
+        <a:font script="Tibt" typeface="Microsoft Himalaya"/>
+        <a:font script="Thaa" typeface="MV Boli"/>
+        <a:font script="Deva" typeface="Mangal"/>
+        <a:font script="Telu" typeface="Gautami"/>
+        <a:font script="Taml" typeface="Latha"/>
+        <a:font script="Syrc" typeface="Estrangelo Edessa"/>
+        <a:font script="Orya" typeface="Kalinga"/>
+        <a:font script="Mlym" typeface="Kartika"/>
+        <a:font script="Laoo" typeface="DokChampa"/>
+        <a:font script="Sinh" typeface="Iskoola Pota"/>
+        <a:font script="Mong" typeface="Mongolian Baiti"/>
+        <a:font script="Viet" typeface="Times New Roman"/>
+        <a:font script="Uigh" typeface="Microsoft Uighur"/>
+        <a:font script="Geor" typeface="Sylfaen"/>
+      </a:majorFont>
+      <a:minorFont>
+        <a:latin typeface="Calibri" panose="020F0502020204030204"/>
+        <a:ea typeface=""/>
+        <a:cs typeface=""/>
+        <a:font script="Jpan" typeface="Yu Gothic"/>
+        <a:font script="Hang" typeface="맑은 고딕"/>
+        <a:font script="Hans" typeface="DengXian"/>
+        <a:font script="Hant" typeface="新細明體"/>
+        <a:font script="Arab" typeface="Arial"/>
+        <a:font script="Hebr" typeface="Arial"/>
+        <a:font script="Thai" typeface="Cordia New"/>
+        <a:font script="Ethi" typeface="Nyala"/>
+        <a:font script="Beng" typeface="Vrinda"/>
+        <a:font script="Gujr" typeface="Shruti"/>
+        <a:font script="Khmr" typeface="DaunPenh"/>
+        <a:font script="Knda" typeface="Tunga"/>
+        <a:font script="Guru" typeface="Raavi"/>
+        <a:font script="Cans" typeface="Euphemia"/>
+        <a:font script="Cher" typeface="Plantagenet Cherokee"/>
+        <a:font script="Yiii" typeface="Microsoft Yi Baiti"/>
+        <a:font script="Tibt" typeface="Microsoft Himalaya"/>
+        <a:font script="Thaa" typeface="MV Boli"/>
+        <a:font script="Deva" typeface="Mangal"/>
+        <a:font script="Telu" typeface="Gautami"/>
+        <a:font script="Taml" typeface="Latha"/>
+        <a:font script="Syrc" typeface="Estrangelo Edessa"/>
+        <a:font script="Orya" typeface="Kalinga"/>
+        <a:font script="Mlym" typeface="Kartika"/>
+        <a:font script="Laoo" typeface="DokChampa"/>
+        <a:font script="Sinh" typeface="Iskoola Pota"/>
+        <a:font script="Mong" typeface="Mongolian Baiti"/>
+        <a:font script="Viet" typeface="Arial"/>
+        <a:font script="Uigh" typeface="Microsoft Uighur"/>
+        <a:font script="Geor" typeface="Sylfaen"/>
+      </a:minorFont>
+    </a:fontScheme>
+    <a:fmtScheme name="Office">
+      <a:fillStyleLst>
+        <a:solidFill>
+          <a:schemeClr val="phClr"/>
+        </a:solidFill>
+        <a:gradFill rotWithShape="1">
+          <a:gsLst>
+            <a:gs pos="0">
+              <a:schemeClr val="phClr">
+                <a:lumMod val="110000"/>
+                <a:satMod val="105000"/>
+                <a:tint val="67000"/>
+              </a:schemeClr>
+            </a:gs>
+            <a:gs pos="50000">
+              <a:schemeClr val="phClr">
+                <a:lumMod val="105000"/>
+                <a:satMod val="103000"/>
+                <a:tint val="73000"/>
+              </a:schemeClr>
+            </a:gs>
+            <a:gs pos="100000">
+              <a:schemeClr val="phClr">
+                <a:lumMod val="105000"/>
+                <a:satMod val="109000"/>
+                <a:tint val="81000"/>
+              </a:schemeClr>
+            </a:gs>
+          </a:gsLst>
+          <a:lin ang="5400000" scaled="0"/>
+        </a:gradFill>
+        <a:gradFill rotWithShape="1">
+          <a:gsLst>
+            <a:gs pos="0">
+              <a:schemeClr val="phClr">
+                <a:satMod val="103000"/>
+                <a:lumMod val="102000"/>
+                <a:tint val="94000"/>
+              </a:schemeClr>
+            </a:gs>
+            <a:gs pos="50000">
+              <a:schemeClr val="phClr">
+                <a:satMod val="110000"/>
+                <a:lumMod val="100000"/>
+                <a:shade val="100000"/>
+              </a:schemeClr>
+            </a:gs>
+            <a:gs pos="100000">
+              <a:schemeClr val="phClr">
+                <a:lumMod val="99000"/>
+                <a:satMod val="120000"/>
+                <a:shade val="78000"/>
+              </a:schemeClr>
+            </a:gs>
+          </a:gsLst>
+          <a:lin ang="5400000" scaled="0"/>
+        </a:gradFill>
+      </a:fillStyleLst>
+      <a:lnStyleLst>
+        <a:ln w="6350" cap="flat" cmpd="sng" algn="ctr">
+          <a:solidFill>
+            <a:schemeClr val="phClr"/>
+          </a:solidFill>
+          <a:prstDash val="solid"/>
+          <a:miter lim="800000"/>
+        </a:ln>
+        <a:ln w="12700" cap="flat" cmpd="sng" algn="ctr">
+          <a:solidFill>
+            <a:schemeClr val="phClr"/>
+          </a:solidFill>
+          <a:prstDash val="solid"/>
+          <a:miter lim="800000"/>
+        </a:ln>
+        <a:ln w="19050" cap="flat" cmpd="sng" algn="ctr">
+          <a:solidFill>
+            <a:schemeClr val="phClr"/>
+          </a:solidFill>
+          <a:prstDash val="solid"/>
+          <a:miter lim="800000"/>
+        </a:ln>
+      </a:lnStyleLst>
+      <a:effectStyleLst>
+        <a:effectStyle>
+          <a:effectLst/>
+        </a:effectStyle>
+        <a:effectStyle>
+          <a:effectLst/>
+        </a:effectStyle>
+        <a:effectStyle>
+          <a:effectLst>
+            <a:outerShdw blurRad="57150" dist="19050" dir="5400000" algn="ctr" rotWithShape="0">
+              <a:srgbClr val="000000">
+                <a:alpha val="63000"/>
+              </a:srgbClr>
+            </a:outerShdw>
+          </a:effectLst>
+        </a:effectStyle>
+      </a:effectStyleLst>
+      <a:bgFillStyleLst>
+        <a:solidFill>
+          <a:schemeClr val="phClr"/>
+        </a:solidFill>
+        <a:solidFill>
+          <a:schemeClr val="phClr">
+            <a:tint val="95000"/>
+            <a:satMod val="170000"/>
+          </a:schemeClr>
+        </a:solidFill>
+        <a:gradFill rotWithShape="1">
+          <a:gsLst>
+            <a:gs pos="0">
+              <a:schemeClr val="phClr">
+                <a:tint val="93000"/>
+                <a:satMod val="150000"/>
+                <a:shade val="98000"/>
+                <a:lumMod val="102000"/>
+              </a:schemeClr>
+            </a:gs>
+            <a:gs pos="50000">
+              <a:schemeClr val="phClr">
+                <a:tint val="98000"/>
+                <a:satMod val="130000"/>
+                <a:shade val="90000"/>
+                <a:lumMod val="103000"/>
+              </a:schemeClr>
+            </a:gs>
+            <a:gs pos="100000">
+              <a:schemeClr val="phClr">
+                <a:shade val="63000"/>
+                <a:satMod val="120000"/>
+              </a:schemeClr>
+            </a:gs>
+          </a:gsLst>
+          <a:lin ang="5400000" scaled="0"/>
+        </a:gradFill>
+      </a:bgFillStyleLst>
+    </a:fmtScheme>
+  </a:themeElements>
+  <a:objectDefaults/>
+  <a:extraClrSchemeLst/>
+  <a:extLst>
+    <a:ext uri="{05A4C25C-085E-4340-85A3-A5531E510DB2}">
+      <thm15:themeFamily xmlns:thm15="http://schemas.microsoft.com/office/thememl/2012/main" name="Office Theme" id="{62F939B6-93AF-4DB8-9C6B-D6C7DFDC589F}" vid="{4A3C46E8-61CC-4603-A589-7422A47A8E4A}"/>
+    </a:ext>
+  </a:extLst>
+</a:theme>
 </file>
--- a/final-presentations.pptx
+++ b/final-presentations.pptx
@@ -6121,7 +6121,7 @@
               <a:buChar char=""/>
             </a:pPr>
             <a:r>
-              <a:rPr lang="en-US" sz="2000" b="0" strike="noStrike" spc="-1">
+              <a:rPr lang="en-US" sz="2000" b="0" strike="noStrike" spc="-1" dirty="0">
                 <a:solidFill>
                   <a:srgbClr val="FFFFFF"/>
                 </a:solidFill>
@@ -6132,7 +6132,21 @@
                 </a:uFill>
                 <a:latin typeface="Century Gothic"/>
               </a:rPr>
-              <a:t>Should have better communication with the </a:t>
+              <a:t>Should have better communication </a:t>
+            </a:r>
+            <a:r>
+              <a:rPr lang="en-US" sz="2000" b="0" strike="noStrike" spc="-1">
+                <a:solidFill>
+                  <a:srgbClr val="FFFFFF"/>
+                </a:solidFill>
+                <a:uFill>
+                  <a:solidFill>
+                    <a:srgbClr val="FFFFFF"/>
+                  </a:solidFill>
+                </a:uFill>
+                <a:latin typeface="Century Gothic"/>
+              </a:rPr>
+              <a:t>with </a:t>
             </a:r>
             <a:r>
               <a:rPr lang="en-US" sz="2000" spc="-1" smtClean="0">
@@ -6160,9 +6174,23 @@
                 </a:uFill>
                 <a:latin typeface="Century Gothic"/>
               </a:rPr>
-              <a:t> teams.</a:t>
+              <a:t> </a:t>
             </a:r>
-            <a:endParaRPr lang="en-US" sz="2000" b="0" strike="noStrike" spc="-1">
+            <a:r>
+              <a:rPr lang="en-US" sz="2000" b="0" strike="noStrike" spc="-1" dirty="0" smtClean="0">
+                <a:solidFill>
+                  <a:srgbClr val="FFFFFF"/>
+                </a:solidFill>
+                <a:uFill>
+                  <a:solidFill>
+                    <a:srgbClr val="FFFFFF"/>
+                  </a:solidFill>
+                </a:uFill>
+                <a:latin typeface="Century Gothic"/>
+              </a:rPr>
+              <a:t>teams.</a:t>
+            </a:r>
+            <a:endParaRPr lang="en-US" sz="2000" b="0" strike="noStrike" spc="-1" dirty="0">
               <a:solidFill>
                 <a:srgbClr val="FFFFFF"/>
               </a:solidFill>
